--- a/cmsc125/ostep/slides/01.Virtualization/18.Paging_Introduction.pptx
+++ b/cmsc125/ostep/slides/01.Virtualization/18.Paging_Introduction.pptx
@@ -5,7 +5,7 @@
     <p:sldMasterId id="2147483670" r:id="rId1"/>
   </p:sldMasterIdLst>
   <p:notesMasterIdLst>
-    <p:notesMasterId r:id="rId20"/>
+    <p:notesMasterId r:id="rId21"/>
   </p:notesMasterIdLst>
   <p:sldIdLst>
     <p:sldId id="298" r:id="rId2"/>
@@ -25,7 +25,8 @@
     <p:sldId id="280" r:id="rId16"/>
     <p:sldId id="281" r:id="rId17"/>
     <p:sldId id="282" r:id="rId18"/>
-    <p:sldId id="283" r:id="rId19"/>
+    <p:sldId id="300" r:id="rId19"/>
+    <p:sldId id="283" r:id="rId20"/>
   </p:sldIdLst>
   <p:sldSz cx="12192000" cy="6858000"/>
   <p:notesSz cx="6797675" cy="9928225"/>
@@ -255,7 +256,7 @@
           <a:p>
             <a:fld id="{050F0499-AE52-4672-879B-3107B2FC2A9F}" type="datetimeFigureOut">
               <a:rPr lang="ko-KR" altLang="en-US" smtClean="0"/>
-              <a:t>2021-07-21</a:t>
+              <a:t>2021-10-27</a:t>
             </a:fld>
             <a:endParaRPr lang="ko-KR" altLang="en-US"/>
           </a:p>
@@ -1689,6 +1690,16 @@
               <a:lstStyle/>
               <a:p>
                 <a:r>
+                  <a:rPr lang="en-US" altLang="ko-KR" b="1" dirty="0"/>
+                  <a:t>Pages tables</a:t>
+                </a:r>
+                <a:r>
+                  <a:rPr lang="en-US" altLang="ko-KR" dirty="0"/>
+                  <a:t> map the Virtual Page Number (VPN) to Physical/Page Frame Number (PFN)</a:t>
+                </a:r>
+              </a:p>
+              <a:p>
+                <a:r>
                   <a:rPr lang="en-US" altLang="ko-KR" dirty="0"/>
                   <a:t>Page tables can get awfully large</a:t>
                 </a:r>
@@ -1818,13 +1829,53 @@
                 <a:endParaRPr lang="en-US" altLang="ko-KR" dirty="0"/>
               </a:p>
               <a:p>
-                <a:pPr lvl="2"/>
-                <a:endParaRPr lang="en-US" altLang="ko-KR" dirty="0"/>
+                <a:r>
+                  <a:rPr lang="en-US" altLang="ko-KR" dirty="0"/>
+                  <a:t>Page tables </a:t>
+                </a:r>
+                <a:r>
+                  <a:rPr lang="en-US" altLang="ko-KR" b="1" dirty="0"/>
+                  <a:t>for each process </a:t>
+                </a:r>
+                <a:r>
+                  <a:rPr lang="en-US" altLang="ko-KR" dirty="0"/>
+                  <a:t>are stored in </a:t>
+                </a:r>
+                <a:r>
+                  <a:rPr lang="en-US" altLang="ko-KR" b="1" dirty="0"/>
+                  <a:t>memory</a:t>
+                </a:r>
+                <a:r>
+                  <a:rPr lang="en-US" altLang="ko-KR" dirty="0"/>
+                  <a:t> (may become very big in size)</a:t>
+                </a:r>
               </a:p>
               <a:p>
+                <a:pPr lvl="1"/>
+                <a:r>
+                  <a:rPr lang="en-US" altLang="ko-KR" b="1" dirty="0"/>
+                  <a:t>Note: One page table per process!</a:t>
+                </a:r>
+              </a:p>
+              <a:p>
+                <a:pPr lvl="1"/>
                 <a:r>
                   <a:rPr lang="en-US" altLang="ko-KR" dirty="0"/>
-                  <a:t>Page tables for peach process are stored in memory.</a:t>
+                  <a:t>Example: Given a 32-bit address space with 4KB pages</a:t>
+                </a:r>
+              </a:p>
+              <a:p>
+                <a:pPr lvl="2"/>
+                <a:r>
+                  <a:rPr lang="en-US" altLang="ko-KR" dirty="0"/>
+                  <a:t>20 bits will be used for VPN and 12 bits for offset</a:t>
+                </a:r>
+              </a:p>
+              <a:p>
+                <a:pPr lvl="2"/>
+                <a:r>
+                  <a:rPr lang="en-US" altLang="ko-KR" dirty="0"/>
+                  <a:t>Assume four bytes will be used to store an entry in the page table -&gt; 4MB page table per process is needed!</a:t>
                 </a:r>
                 <a:endParaRPr lang="ko-KR" altLang="en-US" dirty="0"/>
               </a:p>
@@ -1843,10 +1894,10 @@
               </p:nvPr>
             </p:nvSpPr>
             <p:spPr>
-              <a:blipFill rotWithShape="1">
+              <a:blipFill>
                 <a:blip r:embed="rId2"/>
                 <a:stretch>
-                  <a:fillRect/>
+                  <a:fillRect l="-52"/>
                 </a:stretch>
               </a:blipFill>
             </p:spPr>
@@ -1855,7 +1906,7 @@
               <a:lstStyle/>
               <a:p>
                 <a:r>
-                  <a:rPr lang="ko-KR" altLang="en-US">
+                  <a:rPr lang="en-PH">
                     <a:noFill/>
                   </a:rPr>
                   <a:t> </a:t>
@@ -3312,14 +3363,14 @@
             </a:r>
             <a:r>
               <a:rPr lang="en-US" altLang="ko-KR" dirty="0"/>
-              <a:t> that is used to map the virtual address to physical address.</a:t>
+              <a:t> that is used to map the virtual address to physical address</a:t>
             </a:r>
           </a:p>
           <a:p>
             <a:pPr lvl="1"/>
             <a:r>
               <a:rPr lang="en-US" altLang="ko-KR" dirty="0"/>
-              <a:t>Simplest form: a linear page table, an array</a:t>
+              <a:t>Simplest form: a linear page table (an array)</a:t>
             </a:r>
           </a:p>
           <a:p>
@@ -3337,7 +3388,19 @@
             </a:r>
             <a:r>
               <a:rPr lang="en-US" altLang="ko-KR" dirty="0"/>
-              <a:t> the array by VPN, and looks up the page-table entry.</a:t>
+              <a:t> the array(</a:t>
+            </a:r>
+            <a:r>
+              <a:rPr lang="en-US" altLang="ko-KR" b="1" dirty="0"/>
+              <a:t>page table</a:t>
+            </a:r>
+            <a:r>
+              <a:rPr lang="en-US" altLang="ko-KR" dirty="0"/>
+              <a:t>) by VPN, and looks up the </a:t>
+            </a:r>
+            <a:r>
+              <a:rPr lang="en-US" altLang="ko-KR" b="1" dirty="0"/>
+              <a:t>page table entry (PTE)</a:t>
             </a:r>
           </a:p>
         </p:txBody>
@@ -3419,7 +3482,7 @@
             </a:r>
             <a:r>
               <a:rPr lang="en-US" altLang="ko-KR" dirty="0"/>
-              <a:t>: Indicating whether the particular translation is valid.</a:t>
+              <a:t>: Indicating whether the particular translation is valid</a:t>
             </a:r>
           </a:p>
           <a:p>
@@ -6839,10 +6902,7 @@
               <a:rPr lang="en-US" altLang="ko-KR" b="1" dirty="0"/>
               <a:t>needed</a:t>
             </a:r>
-            <a:r>
-              <a:rPr lang="en-US" altLang="ko-KR" dirty="0"/>
-              <a:t>.</a:t>
-            </a:r>
+            <a:endParaRPr lang="en-US" altLang="ko-KR" dirty="0"/>
           </a:p>
           <a:p>
             <a:endParaRPr lang="en-US" altLang="ko-KR" dirty="0"/>
@@ -6856,11 +6916,21 @@
               <a:rPr lang="en-US" altLang="ko-KR" b="1" dirty="0"/>
               <a:t>extra memory reference</a:t>
             </a:r>
+          </a:p>
+          <a:p>
+            <a:pPr lvl="1"/>
             <a:r>
               <a:rPr lang="en-US" altLang="ko-KR" dirty="0"/>
-              <a:t>.</a:t>
-            </a:r>
-            <a:endParaRPr lang="ko-KR" altLang="en-US" dirty="0"/>
+              <a:t>Address of the start of page table is stored in a </a:t>
+            </a:r>
+            <a:r>
+              <a:rPr lang="en-US" altLang="ko-KR" b="1" dirty="0"/>
+              <a:t>Page Table Base Register (PTBR)</a:t>
+            </a:r>
+          </a:p>
+          <a:p>
+            <a:pPr lvl="1"/>
+            <a:endParaRPr lang="ko-KR" altLang="en-US" b="1" dirty="0"/>
           </a:p>
         </p:txBody>
       </p:sp>
@@ -6935,7 +7005,7 @@
           <a:bodyPr/>
           <a:lstStyle/>
           <a:p>
-            <a:endParaRPr lang="ko-KR" altLang="en-US"/>
+            <a:endParaRPr lang="ko-KR" altLang="en-US" dirty="0"/>
           </a:p>
         </p:txBody>
       </p:sp>
@@ -8848,6 +8918,189 @@
       </p:grpSpPr>
       <p:sp>
         <p:nvSpPr>
+          <p:cNvPr id="3" name="Title 2">
+            <a:extLst>
+              <a:ext uri="{FF2B5EF4-FFF2-40B4-BE49-F238E27FC236}">
+                <a16:creationId xmlns:a16="http://schemas.microsoft.com/office/drawing/2014/main" id="{B33F745E-B946-42F7-B108-2A13E32904E8}"/>
+              </a:ext>
+            </a:extLst>
+          </p:cNvPr>
+          <p:cNvSpPr>
+            <a:spLocks noGrp="1"/>
+          </p:cNvSpPr>
+          <p:nvPr>
+            <p:ph type="title"/>
+          </p:nvPr>
+        </p:nvSpPr>
+        <p:spPr/>
+        <p:txBody>
+          <a:bodyPr/>
+          <a:lstStyle/>
+          <a:p>
+            <a:r>
+              <a:rPr lang="en-US" altLang="ko-KR" dirty="0"/>
+              <a:t>A Memory Trace: </a:t>
+            </a:r>
+            <a:r>
+              <a:rPr lang="en-US" dirty="0"/>
+              <a:t>Some Assumptions</a:t>
+            </a:r>
+            <a:endParaRPr lang="en-PH" dirty="0"/>
+          </a:p>
+        </p:txBody>
+      </p:sp>
+      <p:sp>
+        <p:nvSpPr>
+          <p:cNvPr id="4" name="Content Placeholder 3">
+            <a:extLst>
+              <a:ext uri="{FF2B5EF4-FFF2-40B4-BE49-F238E27FC236}">
+                <a16:creationId xmlns:a16="http://schemas.microsoft.com/office/drawing/2014/main" id="{91CD47C7-DACB-4EE8-BE3D-88EDFCB6A3EF}"/>
+              </a:ext>
+            </a:extLst>
+          </p:cNvPr>
+          <p:cNvSpPr>
+            <a:spLocks noGrp="1"/>
+          </p:cNvSpPr>
+          <p:nvPr>
+            <p:ph idx="1"/>
+          </p:nvPr>
+        </p:nvSpPr>
+        <p:spPr/>
+        <p:txBody>
+          <a:bodyPr/>
+          <a:lstStyle/>
+          <a:p>
+            <a:r>
+              <a:rPr lang="en-US" dirty="0"/>
+              <a:t>Virtual Address Space Size: 64KB</a:t>
+            </a:r>
+          </a:p>
+          <a:p>
+            <a:r>
+              <a:rPr lang="en-US" dirty="0"/>
+              <a:t>Page Size: 1 KB</a:t>
+            </a:r>
+          </a:p>
+          <a:p>
+            <a:r>
+              <a:rPr lang="en-US" dirty="0"/>
+              <a:t>Linear Page Table (array-based) located at physical address 1KB(1024)</a:t>
+            </a:r>
+          </a:p>
+          <a:p>
+            <a:r>
+              <a:rPr lang="en-US" dirty="0"/>
+              <a:t>Contents of Page Table</a:t>
+            </a:r>
+          </a:p>
+          <a:p>
+            <a:pPr marL="800100" lvl="1" indent="-342900">
+              <a:buFont typeface="+mj-lt"/>
+              <a:buAutoNum type="arabicPeriod"/>
+            </a:pPr>
+            <a:r>
+              <a:rPr lang="en-US" dirty="0"/>
+              <a:t>Code: Assume VPN 1 -&gt; PFN 4</a:t>
+            </a:r>
+          </a:p>
+          <a:p>
+            <a:pPr marL="800100" lvl="1" indent="-342900">
+              <a:buFont typeface="+mj-lt"/>
+              <a:buAutoNum type="arabicPeriod"/>
+            </a:pPr>
+            <a:r>
+              <a:rPr lang="en-US" dirty="0"/>
+              <a:t>Array:</a:t>
+            </a:r>
+          </a:p>
+          <a:p>
+            <a:pPr lvl="2"/>
+            <a:r>
+              <a:rPr lang="en-US" dirty="0"/>
+              <a:t>4000 bytes (1000*</a:t>
+            </a:r>
+            <a:r>
+              <a:rPr lang="en-US" dirty="0" err="1"/>
+              <a:t>sizeof</a:t>
+            </a:r>
+            <a:r>
+              <a:rPr lang="en-US" dirty="0"/>
+              <a:t>(int))</a:t>
+            </a:r>
+          </a:p>
+          <a:p>
+            <a:pPr lvl="2"/>
+            <a:r>
+              <a:rPr lang="en-US" dirty="0"/>
+              <a:t>Assume at virtual address 40000 to 44000</a:t>
+            </a:r>
+          </a:p>
+          <a:p>
+            <a:pPr lvl="3"/>
+            <a:r>
+              <a:rPr lang="en-US" dirty="0"/>
+              <a:t>VPN 39 -&gt; PFN 7</a:t>
+            </a:r>
+          </a:p>
+          <a:p>
+            <a:pPr lvl="3"/>
+            <a:r>
+              <a:rPr lang="en-US" dirty="0"/>
+              <a:t>VPN 40 -&gt; PFN 8</a:t>
+            </a:r>
+          </a:p>
+          <a:p>
+            <a:pPr lvl="3"/>
+            <a:r>
+              <a:rPr lang="en-US" dirty="0"/>
+              <a:t>VPN 41 -&gt; PFN 9</a:t>
+            </a:r>
+          </a:p>
+          <a:p>
+            <a:pPr lvl="3"/>
+            <a:r>
+              <a:rPr lang="en-US" dirty="0"/>
+              <a:t>VPN 42 -&gt; PFN 10</a:t>
+            </a:r>
+            <a:endParaRPr lang="en-PH" dirty="0"/>
+          </a:p>
+        </p:txBody>
+      </p:sp>
+    </p:spTree>
+    <p:extLst>
+      <p:ext uri="{BB962C8B-B14F-4D97-AF65-F5344CB8AC3E}">
+        <p14:creationId xmlns:p14="http://schemas.microsoft.com/office/powerpoint/2010/main" val="3108541098"/>
+      </p:ext>
+    </p:extLst>
+  </p:cSld>
+  <p:clrMapOvr>
+    <a:masterClrMapping/>
+  </p:clrMapOvr>
+  <p:transition>
+    <p:zoom/>
+  </p:transition>
+</p:sld>
+</file>
+
+<file path=ppt/slides/slide19.xml><?xml version="1.0" encoding="utf-8"?>
+<p:sld xmlns:a="http://schemas.openxmlformats.org/drawingml/2006/main" xmlns:r="http://schemas.openxmlformats.org/officeDocument/2006/relationships" xmlns:p="http://schemas.openxmlformats.org/presentationml/2006/main">
+  <p:cSld>
+    <p:spTree>
+      <p:nvGrpSpPr>
+        <p:cNvPr id="1" name=""/>
+        <p:cNvGrpSpPr/>
+        <p:nvPr/>
+      </p:nvGrpSpPr>
+      <p:grpSpPr>
+        <a:xfrm>
+          <a:off x="0" y="0"/>
+          <a:ext cx="0" cy="0"/>
+          <a:chOff x="0" y="0"/>
+          <a:chExt cx="0" cy="0"/>
+        </a:xfrm>
+      </p:grpSpPr>
+      <p:sp>
+        <p:nvSpPr>
           <p:cNvPr id="2" name="제목 1"/>
           <p:cNvSpPr>
             <a:spLocks noGrp="1"/>
@@ -8863,7 +9116,7 @@
           <a:p>
             <a:r>
               <a:rPr lang="en-US" altLang="ko-KR" dirty="0"/>
-              <a:t>A Virtual(And Physical) Memory Trace</a:t>
+              <a:t>A Virtual(And Physical) Memory Trace: First 5 iterations</a:t>
             </a:r>
             <a:endParaRPr lang="ko-KR" altLang="en-US" dirty="0"/>
           </a:p>
@@ -8877,7 +9130,7 @@
         </p:nvGrpSpPr>
         <p:grpSpPr>
           <a:xfrm>
-            <a:off x="2356241" y="997438"/>
+            <a:off x="407368" y="997438"/>
             <a:ext cx="6995622" cy="1999514"/>
             <a:chOff x="832241" y="775737"/>
             <a:chExt cx="6995622" cy="1999514"/>
@@ -11067,7 +11320,7 @@
         </p:nvSpPr>
         <p:spPr>
           <a:xfrm>
-            <a:off x="3845768" y="5527388"/>
+            <a:off x="1896895" y="5527388"/>
             <a:ext cx="108000" cy="115104"/>
           </a:xfrm>
           <a:prstGeom prst="rect">
@@ -11126,7 +11379,7 @@
         </p:nvGrpSpPr>
         <p:grpSpPr>
           <a:xfrm>
-            <a:off x="2704599" y="4726440"/>
+            <a:off x="755726" y="4726440"/>
             <a:ext cx="6647265" cy="1250758"/>
             <a:chOff x="1180598" y="4946444"/>
             <a:chExt cx="6647265" cy="1250758"/>
@@ -12059,7 +12312,7 @@
         </p:nvSpPr>
         <p:spPr>
           <a:xfrm>
-            <a:off x="4193157" y="5486704"/>
+            <a:off x="2244284" y="5486704"/>
             <a:ext cx="108000" cy="115104"/>
           </a:xfrm>
           <a:prstGeom prst="rect">
@@ -12118,7 +12371,7 @@
         </p:nvSpPr>
         <p:spPr>
           <a:xfrm>
-            <a:off x="4373736" y="5446440"/>
+            <a:off x="2424863" y="5446440"/>
             <a:ext cx="108000" cy="115104"/>
           </a:xfrm>
           <a:prstGeom prst="rect">
@@ -12177,7 +12430,7 @@
         </p:nvSpPr>
         <p:spPr>
           <a:xfrm>
-            <a:off x="4547816" y="5402788"/>
+            <a:off x="2598943" y="5402788"/>
             <a:ext cx="108000" cy="115104"/>
           </a:xfrm>
           <a:prstGeom prst="rect">
@@ -12236,7 +12489,7 @@
         </p:nvSpPr>
         <p:spPr>
           <a:xfrm>
-            <a:off x="4745856" y="5527996"/>
+            <a:off x="2796983" y="5527996"/>
             <a:ext cx="108000" cy="115104"/>
           </a:xfrm>
           <a:prstGeom prst="rect">
@@ -12295,7 +12548,7 @@
         </p:nvSpPr>
         <p:spPr>
           <a:xfrm>
-            <a:off x="5093245" y="5487312"/>
+            <a:off x="3144372" y="5487312"/>
             <a:ext cx="108000" cy="115104"/>
           </a:xfrm>
           <a:prstGeom prst="rect">
@@ -12354,7 +12607,7 @@
         </p:nvSpPr>
         <p:spPr>
           <a:xfrm>
-            <a:off x="5273824" y="5447048"/>
+            <a:off x="3324951" y="5447048"/>
             <a:ext cx="108000" cy="115104"/>
           </a:xfrm>
           <a:prstGeom prst="rect">
@@ -12413,7 +12666,7 @@
         </p:nvSpPr>
         <p:spPr>
           <a:xfrm>
-            <a:off x="5447904" y="5403396"/>
+            <a:off x="3499031" y="5403396"/>
             <a:ext cx="108000" cy="115104"/>
           </a:xfrm>
           <a:prstGeom prst="rect">
@@ -12472,7 +12725,7 @@
         </p:nvSpPr>
         <p:spPr>
           <a:xfrm>
-            <a:off x="5653707" y="5527996"/>
+            <a:off x="3704834" y="5527996"/>
             <a:ext cx="108000" cy="115104"/>
           </a:xfrm>
           <a:prstGeom prst="rect">
@@ -12531,7 +12784,7 @@
         </p:nvSpPr>
         <p:spPr>
           <a:xfrm>
-            <a:off x="6001096" y="5487312"/>
+            <a:off x="4052223" y="5487312"/>
             <a:ext cx="108000" cy="115104"/>
           </a:xfrm>
           <a:prstGeom prst="rect">
@@ -12590,7 +12843,7 @@
         </p:nvSpPr>
         <p:spPr>
           <a:xfrm>
-            <a:off x="6181675" y="5447048"/>
+            <a:off x="4232802" y="5447048"/>
             <a:ext cx="108000" cy="115104"/>
           </a:xfrm>
           <a:prstGeom prst="rect">
@@ -12649,7 +12902,7 @@
         </p:nvSpPr>
         <p:spPr>
           <a:xfrm>
-            <a:off x="6355755" y="5403396"/>
+            <a:off x="4406882" y="5403396"/>
             <a:ext cx="108000" cy="115104"/>
           </a:xfrm>
           <a:prstGeom prst="rect">
@@ -12708,7 +12961,7 @@
         </p:nvSpPr>
         <p:spPr>
           <a:xfrm>
-            <a:off x="6578109" y="5522467"/>
+            <a:off x="4629236" y="5522467"/>
             <a:ext cx="108000" cy="115104"/>
           </a:xfrm>
           <a:prstGeom prst="rect">
@@ -12767,7 +13020,7 @@
         </p:nvSpPr>
         <p:spPr>
           <a:xfrm>
-            <a:off x="6925498" y="5481783"/>
+            <a:off x="4976625" y="5481783"/>
             <a:ext cx="108000" cy="115104"/>
           </a:xfrm>
           <a:prstGeom prst="rect">
@@ -12826,7 +13079,7 @@
         </p:nvSpPr>
         <p:spPr>
           <a:xfrm>
-            <a:off x="7106077" y="5441519"/>
+            <a:off x="5157204" y="5441519"/>
             <a:ext cx="108000" cy="115104"/>
           </a:xfrm>
           <a:prstGeom prst="rect">
@@ -12885,7 +13138,7 @@
         </p:nvSpPr>
         <p:spPr>
           <a:xfrm>
-            <a:off x="7280157" y="5397867"/>
+            <a:off x="5331284" y="5397867"/>
             <a:ext cx="108000" cy="115104"/>
           </a:xfrm>
           <a:prstGeom prst="rect">
@@ -12944,7 +13197,7 @@
         </p:nvSpPr>
         <p:spPr>
           <a:xfrm>
-            <a:off x="7500182" y="5517892"/>
+            <a:off x="5551309" y="5517892"/>
             <a:ext cx="108000" cy="115104"/>
           </a:xfrm>
           <a:prstGeom prst="rect">
@@ -13003,7 +13256,7 @@
         </p:nvSpPr>
         <p:spPr>
           <a:xfrm>
-            <a:off x="7847571" y="5477208"/>
+            <a:off x="5898698" y="5477208"/>
             <a:ext cx="108000" cy="115104"/>
           </a:xfrm>
           <a:prstGeom prst="rect">
@@ -13062,7 +13315,7 @@
         </p:nvSpPr>
         <p:spPr>
           <a:xfrm>
-            <a:off x="8028150" y="5436944"/>
+            <a:off x="6079277" y="5436944"/>
             <a:ext cx="108000" cy="115104"/>
           </a:xfrm>
           <a:prstGeom prst="rect">
@@ -13121,7 +13374,7 @@
         </p:nvSpPr>
         <p:spPr>
           <a:xfrm>
-            <a:off x="8202230" y="5393292"/>
+            <a:off x="6253357" y="5393292"/>
             <a:ext cx="108000" cy="115104"/>
           </a:xfrm>
           <a:prstGeom prst="rect">
@@ -13180,7 +13433,7 @@
         </p:nvGrpSpPr>
         <p:grpSpPr>
           <a:xfrm>
-            <a:off x="2704598" y="3284985"/>
+            <a:off x="755725" y="3284985"/>
             <a:ext cx="6647265" cy="998295"/>
             <a:chOff x="1180597" y="3284984"/>
             <a:chExt cx="6647265" cy="998295"/>
@@ -14101,7 +14354,7 @@
         </p:nvSpPr>
         <p:spPr>
           <a:xfrm>
-            <a:off x="3785070" y="4793173"/>
+            <a:off x="1836197" y="4793173"/>
             <a:ext cx="229397" cy="401003"/>
           </a:xfrm>
           <a:prstGeom prst="rect">
@@ -14139,7 +14392,7 @@
         </p:nvSpPr>
         <p:spPr>
           <a:xfrm>
-            <a:off x="4144340" y="4793173"/>
+            <a:off x="2195467" y="4793173"/>
             <a:ext cx="229397" cy="401003"/>
           </a:xfrm>
           <a:prstGeom prst="rect">
@@ -14177,7 +14430,7 @@
         </p:nvSpPr>
         <p:spPr>
           <a:xfrm>
-            <a:off x="4325118" y="4793172"/>
+            <a:off x="2376245" y="4793172"/>
             <a:ext cx="229397" cy="401003"/>
           </a:xfrm>
           <a:prstGeom prst="rect">
@@ -14215,7 +14468,7 @@
         </p:nvSpPr>
         <p:spPr>
           <a:xfrm>
-            <a:off x="4517266" y="4793173"/>
+            <a:off x="2568393" y="4793173"/>
             <a:ext cx="229397" cy="401003"/>
           </a:xfrm>
           <a:prstGeom prst="rect">
@@ -14253,7 +14506,7 @@
         </p:nvSpPr>
         <p:spPr>
           <a:xfrm>
-            <a:off x="5257264" y="5998652"/>
+            <a:off x="3308391" y="5998652"/>
             <a:ext cx="1595665" cy="307777"/>
           </a:xfrm>
           <a:prstGeom prst="rect">
@@ -14279,6 +14532,191 @@
               <a:latin typeface="맑은 고딕" pitchFamily="50" charset="-127"/>
               <a:ea typeface="맑은 고딕" pitchFamily="50" charset="-127"/>
             </a:endParaRPr>
+          </a:p>
+        </p:txBody>
+      </p:sp>
+      <p:cxnSp>
+        <p:nvCxnSpPr>
+          <p:cNvPr id="4" name="Straight Connector 3">
+            <a:extLst>
+              <a:ext uri="{FF2B5EF4-FFF2-40B4-BE49-F238E27FC236}">
+                <a16:creationId xmlns:a16="http://schemas.microsoft.com/office/drawing/2014/main" id="{41AE9A15-4C0C-46F0-9975-93DC06734CB6}"/>
+              </a:ext>
+            </a:extLst>
+          </p:cNvPr>
+          <p:cNvCxnSpPr/>
+          <p:nvPr/>
+        </p:nvCxnSpPr>
+        <p:spPr>
+          <a:xfrm flipH="1">
+            <a:off x="2660870" y="938226"/>
+            <a:ext cx="60893" cy="5760640"/>
+          </a:xfrm>
+          <a:prstGeom prst="line">
+            <a:avLst/>
+          </a:prstGeom>
+          <a:ln w="12700">
+            <a:solidFill>
+              <a:schemeClr val="accent2"/>
+            </a:solidFill>
+            <a:tailEnd type="triangle"/>
+          </a:ln>
+        </p:spPr>
+        <p:style>
+          <a:lnRef idx="1">
+            <a:schemeClr val="accent1"/>
+          </a:lnRef>
+          <a:fillRef idx="0">
+            <a:schemeClr val="accent1"/>
+          </a:fillRef>
+          <a:effectRef idx="0">
+            <a:schemeClr val="accent1"/>
+          </a:effectRef>
+          <a:fontRef idx="minor">
+            <a:schemeClr val="tx1"/>
+          </a:fontRef>
+        </p:style>
+      </p:cxnSp>
+      <p:cxnSp>
+        <p:nvCxnSpPr>
+          <p:cNvPr id="130" name="Straight Connector 129">
+            <a:extLst>
+              <a:ext uri="{FF2B5EF4-FFF2-40B4-BE49-F238E27FC236}">
+                <a16:creationId xmlns:a16="http://schemas.microsoft.com/office/drawing/2014/main" id="{010AFAC6-0DA9-4D46-A429-678871CC277B}"/>
+              </a:ext>
+            </a:extLst>
+          </p:cNvPr>
+          <p:cNvCxnSpPr/>
+          <p:nvPr/>
+        </p:nvCxnSpPr>
+        <p:spPr>
+          <a:xfrm flipH="1">
+            <a:off x="1631504" y="908720"/>
+            <a:ext cx="60893" cy="5760640"/>
+          </a:xfrm>
+          <a:prstGeom prst="line">
+            <a:avLst/>
+          </a:prstGeom>
+          <a:ln w="12700">
+            <a:solidFill>
+              <a:schemeClr val="accent2"/>
+            </a:solidFill>
+            <a:tailEnd type="triangle"/>
+          </a:ln>
+        </p:spPr>
+        <p:style>
+          <a:lnRef idx="1">
+            <a:schemeClr val="accent1"/>
+          </a:lnRef>
+          <a:fillRef idx="0">
+            <a:schemeClr val="accent1"/>
+          </a:fillRef>
+          <a:effectRef idx="0">
+            <a:schemeClr val="accent1"/>
+          </a:effectRef>
+          <a:fontRef idx="minor">
+            <a:schemeClr val="tx1"/>
+          </a:fontRef>
+        </p:style>
+      </p:cxnSp>
+      <p:sp>
+        <p:nvSpPr>
+          <p:cNvPr id="5" name="TextBox 4">
+            <a:extLst>
+              <a:ext uri="{FF2B5EF4-FFF2-40B4-BE49-F238E27FC236}">
+                <a16:creationId xmlns:a16="http://schemas.microsoft.com/office/drawing/2014/main" id="{F0A708DF-61F8-40AC-9795-41C9A99E6F00}"/>
+              </a:ext>
+            </a:extLst>
+          </p:cNvPr>
+          <p:cNvSpPr txBox="1"/>
+          <p:nvPr/>
+        </p:nvSpPr>
+        <p:spPr>
+          <a:xfrm>
+            <a:off x="7680175" y="1135937"/>
+            <a:ext cx="4286969" cy="2585323"/>
+          </a:xfrm>
+          <a:prstGeom prst="rect">
+            <a:avLst/>
+          </a:prstGeom>
+          <a:noFill/>
+        </p:spPr>
+        <p:txBody>
+          <a:bodyPr wrap="square" rtlCol="0">
+            <a:spAutoFit/>
+          </a:bodyPr>
+          <a:lstStyle/>
+          <a:p>
+            <a:pPr marL="285750" indent="-285750">
+              <a:buFont typeface="Arial" panose="020B0604020202020204" pitchFamily="34" charset="0"/>
+              <a:buChar char="•"/>
+            </a:pPr>
+            <a:r>
+              <a:rPr lang="en-US" dirty="0">
+                <a:latin typeface="Oswald" pitchFamily="2" charset="0"/>
+              </a:rPr>
+              <a:t>Each instruction fetch generates two memory references: </a:t>
+            </a:r>
+          </a:p>
+          <a:p>
+            <a:pPr marL="742950" lvl="1" indent="-285750">
+              <a:buFont typeface="Arial" panose="020B0604020202020204" pitchFamily="34" charset="0"/>
+              <a:buChar char="•"/>
+            </a:pPr>
+            <a:r>
+              <a:rPr lang="en-US" dirty="0">
+                <a:latin typeface="Oswald" pitchFamily="2" charset="0"/>
+              </a:rPr>
+              <a:t>one to the page table and</a:t>
+            </a:r>
+          </a:p>
+          <a:p>
+            <a:pPr marL="742950" lvl="1" indent="-285750">
+              <a:buFont typeface="Arial" panose="020B0604020202020204" pitchFamily="34" charset="0"/>
+              <a:buChar char="•"/>
+            </a:pPr>
+            <a:r>
+              <a:rPr lang="en-US" dirty="0">
+                <a:latin typeface="Oswald" pitchFamily="2" charset="0"/>
+              </a:rPr>
+              <a:t>another to the actual location of the      instruction</a:t>
+            </a:r>
+          </a:p>
+          <a:p>
+            <a:pPr marL="285750" indent="-285750">
+              <a:buFont typeface="Arial" panose="020B0604020202020204" pitchFamily="34" charset="0"/>
+              <a:buChar char="•"/>
+            </a:pPr>
+            <a:r>
+              <a:rPr lang="en-US" dirty="0">
+                <a:latin typeface="Oswald" pitchFamily="2" charset="0"/>
+              </a:rPr>
+              <a:t>The mov instruction will also require two      memory references:</a:t>
+            </a:r>
+          </a:p>
+          <a:p>
+            <a:pPr marL="742950" lvl="1" indent="-285750">
+              <a:buFont typeface="Arial" panose="020B0604020202020204" pitchFamily="34" charset="0"/>
+              <a:buChar char="•"/>
+            </a:pPr>
+            <a:r>
+              <a:rPr lang="en-US" dirty="0">
+                <a:latin typeface="Oswald" pitchFamily="2" charset="0"/>
+              </a:rPr>
+              <a:t>one to the page table and </a:t>
+            </a:r>
+          </a:p>
+          <a:p>
+            <a:pPr marL="742950" lvl="1" indent="-285750">
+              <a:buFont typeface="Arial" panose="020B0604020202020204" pitchFamily="34" charset="0"/>
+              <a:buChar char="•"/>
+            </a:pPr>
+            <a:r>
+              <a:rPr lang="en-PH" dirty="0">
+                <a:latin typeface="Oswald" pitchFamily="2" charset="0"/>
+              </a:rPr>
+              <a:t>another to the array element itself</a:t>
+            </a:r>
           </a:p>
         </p:txBody>
       </p:sp>
@@ -14705,81 +15143,72 @@
           <a:p>
             <a:r>
               <a:rPr lang="en-US" altLang="ko-KR" dirty="0"/>
-              <a:t>Paging </a:t>
+              <a:t>Split</a:t>
             </a:r>
             <a:r>
               <a:rPr lang="en-US" altLang="ko-KR" b="1" dirty="0"/>
-              <a:t>splits up</a:t>
+              <a:t> virtual address space</a:t>
             </a:r>
             <a:r>
               <a:rPr lang="en-US" altLang="ko-KR" dirty="0"/>
-              <a:t> address space into </a:t>
+              <a:t> into </a:t>
             </a:r>
             <a:r>
               <a:rPr lang="en-US" altLang="ko-KR" b="1" dirty="0"/>
-              <a:t>fixed-zed</a:t>
+              <a:t>fixed-size</a:t>
             </a:r>
             <a:r>
               <a:rPr lang="en-US" altLang="ko-KR" dirty="0"/>
-              <a:t> unit called a </a:t>
+              <a:t> units called a </a:t>
             </a:r>
             <a:r>
               <a:rPr lang="en-US" altLang="ko-KR" b="1" dirty="0"/>
               <a:t>page</a:t>
             </a:r>
-            <a:r>
-              <a:rPr lang="en-US" altLang="ko-KR" dirty="0"/>
-              <a:t>.</a:t>
-            </a:r>
+            <a:endParaRPr lang="en-US" altLang="ko-KR" dirty="0"/>
           </a:p>
           <a:p>
             <a:pPr lvl="1"/>
             <a:r>
               <a:rPr lang="en-US" altLang="ko-KR" dirty="0"/>
-              <a:t>Segmentation: variable size of logical segments(code, stack, heap, etc.)</a:t>
+              <a:t>Unlike in segmentation where sizes for each logical segments/sections (code, stack, heap, etc.) are variable</a:t>
             </a:r>
           </a:p>
           <a:p>
-            <a:pPr lvl="1"/>
+            <a:r>
+              <a:rPr lang="en-US" altLang="ko-KR" dirty="0"/>
+              <a:t>Split </a:t>
+            </a:r>
+            <a:r>
+              <a:rPr lang="en-US" altLang="ko-KR" b="1" dirty="0"/>
+              <a:t>physical memory</a:t>
+            </a:r>
+            <a:r>
+              <a:rPr lang="en-US" altLang="ko-KR" dirty="0"/>
+              <a:t> into </a:t>
+            </a:r>
+            <a:r>
+              <a:rPr lang="en-US" altLang="ko-KR" b="1" dirty="0"/>
+              <a:t>fixed-size</a:t>
+            </a:r>
+            <a:r>
+              <a:rPr lang="en-US" altLang="ko-KR" dirty="0"/>
+              <a:t> units </a:t>
+            </a:r>
+            <a:r>
+              <a:rPr lang="en-US" altLang="ko-KR" b="1" dirty="0"/>
+              <a:t>page frames</a:t>
+            </a:r>
             <a:endParaRPr lang="en-US" altLang="ko-KR" dirty="0"/>
           </a:p>
           <a:p>
             <a:r>
               <a:rPr lang="en-US" altLang="ko-KR" dirty="0"/>
-              <a:t>With paging, </a:t>
+              <a:t>A</a:t>
             </a:r>
             <a:r>
               <a:rPr lang="en-US" altLang="ko-KR" b="1" dirty="0"/>
-              <a:t>physical memory</a:t>
-            </a:r>
-            <a:r>
-              <a:rPr lang="en-US" altLang="ko-KR" dirty="0"/>
-              <a:t> is also </a:t>
-            </a:r>
-            <a:r>
-              <a:rPr lang="en-US" altLang="ko-KR" b="1" dirty="0"/>
-              <a:t>split</a:t>
-            </a:r>
-            <a:r>
-              <a:rPr lang="en-US" altLang="ko-KR" dirty="0"/>
-              <a:t> into some number of pages called a </a:t>
-            </a:r>
-            <a:r>
-              <a:rPr lang="en-US" altLang="ko-KR" b="1" dirty="0"/>
-              <a:t>page frame</a:t>
-            </a:r>
-            <a:r>
-              <a:rPr lang="en-US" altLang="ko-KR" dirty="0"/>
-              <a:t>.</a:t>
-            </a:r>
-          </a:p>
-          <a:p>
-            <a:endParaRPr lang="en-US" altLang="ko-KR" dirty="0"/>
-          </a:p>
-          <a:p>
-            <a:r>
-              <a:rPr lang="en-US" altLang="ko-KR" b="1" dirty="0"/>
-              <a:t>Page table</a:t>
+              <a:t> page table</a:t>
             </a:r>
             <a:r>
               <a:rPr lang="en-US" altLang="ko-KR" dirty="0"/>
@@ -14791,7 +15220,19 @@
             </a:r>
             <a:r>
               <a:rPr lang="en-US" altLang="ko-KR" dirty="0"/>
-              <a:t> the virtual address to physical address.</a:t>
+              <a:t> the </a:t>
+            </a:r>
+            <a:r>
+              <a:rPr lang="en-US" altLang="ko-KR" b="1" dirty="0"/>
+              <a:t>virtual address</a:t>
+            </a:r>
+            <a:r>
+              <a:rPr lang="en-US" altLang="ko-KR" dirty="0"/>
+              <a:t> to </a:t>
+            </a:r>
+            <a:r>
+              <a:rPr lang="en-US" altLang="ko-KR" b="1" dirty="0"/>
+              <a:t>physical address</a:t>
             </a:r>
           </a:p>
           <a:p>
@@ -14889,11 +15330,8 @@
             <a:pPr lvl="1"/>
             <a:r>
               <a:rPr lang="en-US" altLang="ko-KR" dirty="0"/>
-              <a:t>Don’t need assumption how heap and stack grow and are used.</a:t>
-            </a:r>
-          </a:p>
-          <a:p>
-            <a:endParaRPr lang="en-US" altLang="ko-KR" dirty="0"/>
+              <a:t>Don’t need assumptions how heap and stack grow and are used</a:t>
+            </a:r>
           </a:p>
           <a:p>
             <a:r>
@@ -14909,14 +15347,14 @@
             <a:pPr lvl="1"/>
             <a:r>
               <a:rPr lang="en-US" altLang="ko-KR" dirty="0"/>
-              <a:t>The page in address space and the page frame are the same size.</a:t>
+              <a:t>The page in virtual address space and the page frame in physical memory are the same size</a:t>
             </a:r>
           </a:p>
           <a:p>
             <a:pPr lvl="1"/>
             <a:r>
               <a:rPr lang="en-US" altLang="ko-KR" dirty="0"/>
-              <a:t>Easy to allocate and keep a free list</a:t>
+              <a:t>Easy to allocate and maintain a free list</a:t>
             </a:r>
           </a:p>
         </p:txBody>
@@ -14994,14 +15432,14 @@
           <a:p>
             <a:r>
               <a:rPr lang="en-US" altLang="ko-KR" dirty="0"/>
-              <a:t>128-byte physical memory with 16 bytes page frames</a:t>
+              <a:t>128-byte physical memory with 16-byte page frames</a:t>
             </a:r>
             <a:endParaRPr lang="ko-KR" altLang="en-US" dirty="0"/>
           </a:p>
           <a:p>
             <a:r>
               <a:rPr lang="en-US" altLang="ko-KR" dirty="0"/>
-              <a:t>64-byte address space with 16 bytes pages</a:t>
+              <a:t>64-byte virtual address space with 16-byte pages</a:t>
             </a:r>
           </a:p>
         </p:txBody>
@@ -15014,10 +15452,10 @@
         </p:nvGrpSpPr>
         <p:grpSpPr>
           <a:xfrm>
-            <a:off x="2279576" y="2924944"/>
-            <a:ext cx="4021772" cy="2332746"/>
-            <a:chOff x="2017433" y="3207007"/>
-            <a:chExt cx="4068610" cy="2332746"/>
+            <a:off x="1847528" y="2924944"/>
+            <a:ext cx="4453820" cy="2332746"/>
+            <a:chOff x="1580353" y="3207007"/>
+            <a:chExt cx="4505690" cy="2332746"/>
           </a:xfrm>
         </p:grpSpPr>
         <p:sp>
@@ -15593,8 +16031,8 @@
           </p:nvSpPr>
           <p:spPr>
             <a:xfrm>
-              <a:off x="2017433" y="5219444"/>
-              <a:ext cx="3001828" cy="320309"/>
+              <a:off x="1580353" y="5219444"/>
+              <a:ext cx="3933717" cy="320309"/>
             </a:xfrm>
             <a:prstGeom prst="rect">
               <a:avLst/>
@@ -15612,7 +16050,7 @@
                   <a:latin typeface="맑은 고딕" panose="020B0503020000020004" pitchFamily="50" charset="-127"/>
                   <a:ea typeface="맑은 고딕" panose="020B0503020000020004" pitchFamily="50" charset="-127"/>
                 </a:rPr>
-                <a:t>A Simple 64-byte Address Space</a:t>
+                <a:t>A Simple 64-byte Virtual Address Space(AS)</a:t>
               </a:r>
               <a:endParaRPr lang="ko-KR" altLang="en-US" sz="1600" b="1" dirty="0">
                 <a:latin typeface="맑은 고딕" panose="020B0503020000020004" pitchFamily="50" charset="-127"/>
@@ -15631,9 +16069,9 @@
         <p:grpSpPr>
           <a:xfrm>
             <a:off x="5956560" y="1844824"/>
-            <a:ext cx="4531929" cy="4536504"/>
+            <a:ext cx="4531929" cy="4751947"/>
             <a:chOff x="2024895" y="1733326"/>
-            <a:chExt cx="4896544" cy="4536504"/>
+            <a:chExt cx="4896544" cy="4751947"/>
           </a:xfrm>
         </p:grpSpPr>
         <p:sp>
@@ -16146,7 +16584,7 @@
           <p:spPr>
             <a:xfrm>
               <a:off x="2024895" y="5962053"/>
-              <a:ext cx="4896544" cy="307777"/>
+              <a:ext cx="4896544" cy="523220"/>
             </a:xfrm>
             <a:prstGeom prst="rect">
               <a:avLst/>
@@ -16165,7 +16603,7 @@
                   <a:latin typeface="맑은 고딕" panose="020B0503020000020004" pitchFamily="50" charset="-127"/>
                   <a:ea typeface="맑은 고딕" panose="020B0503020000020004" pitchFamily="50" charset="-127"/>
                 </a:rPr>
-                <a:t>64-Byte Address Space Placed In Physical Memory</a:t>
+                <a:t>64-Byte Virtual Address Space Placed In Physical Memory</a:t>
               </a:r>
               <a:endParaRPr lang="ko-KR" altLang="en-US" sz="1400" b="1" dirty="0">
                 <a:solidFill>
@@ -16995,15 +17433,23 @@
           <a:p>
             <a:pPr lvl="1"/>
             <a:r>
+              <a:rPr lang="en-US" altLang="ko-KR" b="1" dirty="0"/>
+              <a:t>VPN</a:t>
+            </a:r>
+            <a:r>
               <a:rPr lang="en-US" altLang="ko-KR" dirty="0"/>
-              <a:t>VPN: virtual page number</a:t>
+              <a:t>: virtual page number</a:t>
             </a:r>
           </a:p>
           <a:p>
             <a:pPr lvl="1"/>
             <a:r>
+              <a:rPr lang="en-US" altLang="ko-KR" b="1" dirty="0"/>
+              <a:t>Offset</a:t>
+            </a:r>
+            <a:r>
               <a:rPr lang="en-US" altLang="ko-KR" dirty="0"/>
-              <a:t>Offset: offset within the page</a:t>
+              <a:t>: offset within the page</a:t>
             </a:r>
           </a:p>
           <a:p>
